--- a/sunsoong/MachineLearining/2019.10.14.机器学习.宋红阳 .pptx
+++ b/sunsoong/MachineLearining/2019.10.14.机器学习.宋红阳 .pptx
@@ -247,7 +247,7 @@
           <a:p>
             <a:fld id="{D0CC02A9-C794-45AF-B05A-91EF0C06385E}" type="datetimeFigureOut">
               <a:rPr lang="zh-CN" altLang="en-US" smtClean="0"/>
-              <a:t>2019/10/13</a:t>
+              <a:t>2019/10/14</a:t>
             </a:fld>
             <a:endParaRPr lang="zh-CN" altLang="en-US"/>
           </a:p>
@@ -3716,15 +3716,7 @@
           <a:p>
             <a:r>
               <a:rPr lang="zh-CN" altLang="en-US" dirty="0" smtClean="0"/>
-              <a:t>假设</a:t>
-            </a:r>
-            <a:r>
-              <a:rPr lang="zh-CN" altLang="en-US" dirty="0" smtClean="0"/>
-              <a:t>特征是由一</a:t>
-            </a:r>
-            <a:r>
-              <a:rPr lang="zh-CN" altLang="en-US" dirty="0" smtClean="0"/>
-              <a:t>个简单多项式分布生成的</a:t>
+              <a:t>假设特征是由一个简单多项式分布生成的</a:t>
             </a:r>
             <a:r>
               <a:rPr lang="en-US" altLang="zh-CN" dirty="0" smtClean="0"/>
@@ -3732,11 +3724,7 @@
             </a:r>
             <a:r>
               <a:rPr lang="zh-CN" altLang="en-US" dirty="0" smtClean="0"/>
-              <a:t>多项分布可以 </a:t>
-            </a:r>
-            <a:r>
-              <a:rPr lang="zh-CN" altLang="en-US" dirty="0" smtClean="0"/>
-              <a:t>描述各种类型样本出现次数的概率，因此多项式朴素贝叶斯非常适合用于描述出现次数或者出现次数比例的特征</a:t>
+              <a:t>多项分布可以 描述各种类型样本出现次数的概率，因此多项式朴素贝叶斯非常适合用于描述出现次数或者出现次数比例的特征</a:t>
             </a:r>
             <a:endParaRPr lang="en-US" altLang="zh-CN" dirty="0" smtClean="0"/>
           </a:p>
@@ -3771,11 +3759,7 @@
             </a:r>
             <a:r>
               <a:rPr lang="zh-CN" altLang="en-US" dirty="0" smtClean="0"/>
-              <a:t>个取值</a:t>
-            </a:r>
-            <a:r>
-              <a:rPr lang="zh-CN" altLang="en-US" dirty="0" smtClean="0"/>
-              <a:t>条件概率</a:t>
+              <a:t>个取值条件概率</a:t>
             </a:r>
             <a:r>
               <a:rPr lang="en-US" altLang="zh-CN" dirty="0" smtClean="0"/>
@@ -6272,8 +6256,69 @@
             </a:pPr>
             <a:r>
               <a:rPr lang="zh-CN" altLang="en-US" dirty="0" smtClean="0"/>
-              <a:t>这个对数损失函数与上面的极大似然估计的对数似然函数本质上是等价的。所以逻辑回归直接采用对数损失函数来求参数，实际上与采用极大似然估计来求参数是一致的。</a:t>
-            </a:r>
+              <a:t>这个对数损失函数与上面的极大似然估计的对数似然函数本质上是等价的。所以逻辑回归直接采用对数损失函数来求参数，实际上与采用极大似然估计来求参数是一致的</a:t>
+            </a:r>
+            <a:r>
+              <a:rPr lang="zh-CN" altLang="en-US" dirty="0" smtClean="0"/>
+              <a:t>。</a:t>
+            </a:r>
+            <a:endParaRPr lang="en-US" altLang="zh-CN" dirty="0" smtClean="0"/>
+          </a:p>
+          <a:p>
+            <a:pPr marL="0" marR="0" lvl="0" indent="0" algn="l" defTabSz="914400" rtl="0" eaLnBrk="1" fontAlgn="auto" latinLnBrk="0" hangingPunct="1">
+              <a:lnSpc>
+                <a:spcPct val="100000"/>
+              </a:lnSpc>
+              <a:spcBef>
+                <a:spcPts val="0"/>
+              </a:spcBef>
+              <a:spcAft>
+                <a:spcPts val="0"/>
+              </a:spcAft>
+              <a:buClrTx/>
+              <a:buSzTx/>
+              <a:buFontTx/>
+              <a:buNone/>
+              <a:tabLst/>
+              <a:defRPr/>
+            </a:pPr>
+            <a:r>
+              <a:rPr lang="zh-CN" altLang="en-US" sz="1200" b="0" i="0" kern="1200" smtClean="0">
+                <a:solidFill>
+                  <a:schemeClr val="tx1"/>
+                </a:solidFill>
+                <a:effectLst/>
+                <a:latin typeface="+mn-lt"/>
+                <a:ea typeface="+mn-ea"/>
+                <a:cs typeface="+mn-cs"/>
+              </a:rPr>
+              <a:t>最大</a:t>
+            </a:r>
+            <a:r>
+              <a:rPr lang="zh-CN" altLang="en-US" sz="1200" b="1" i="0" kern="1200" smtClean="0">
+                <a:solidFill>
+                  <a:schemeClr val="tx1"/>
+                </a:solidFill>
+                <a:effectLst/>
+                <a:latin typeface="+mn-lt"/>
+                <a:ea typeface="+mn-ea"/>
+                <a:cs typeface="+mn-cs"/>
+              </a:rPr>
+              <a:t>似然</a:t>
+            </a:r>
+            <a:r>
+              <a:rPr lang="zh-CN" altLang="en-US" sz="1200" b="0" i="0" kern="1200" smtClean="0">
+                <a:solidFill>
+                  <a:schemeClr val="tx1"/>
+                </a:solidFill>
+                <a:effectLst/>
+                <a:latin typeface="+mn-lt"/>
+                <a:ea typeface="+mn-ea"/>
+                <a:cs typeface="+mn-cs"/>
+              </a:rPr>
+              <a:t>估计的目的就是：利用已知的样本结果，反推最有可能（最大概率）导致这样结果的参数值</a:t>
+            </a:r>
+            <a:endParaRPr lang="zh-CN" altLang="en-US" dirty="0" smtClean="0"/>
           </a:p>
         </p:txBody>
       </p:sp>
@@ -8277,7 +8322,7 @@
             <a:fld id="{B61BEF0D-F0BB-DE4B-95CE-6DB70DBA9567}" type="datetimeFigureOut">
               <a:rPr lang="en-US" dirty="0"/>
               <a:pPr/>
-              <a:t>10/13/2019</a:t>
+              <a:t>10/14/2019</a:t>
             </a:fld>
             <a:endParaRPr lang="en-US" dirty="0"/>
           </a:p>
@@ -8612,7 +8657,7 @@
             <a:fld id="{B61BEF0D-F0BB-DE4B-95CE-6DB70DBA9567}" type="datetimeFigureOut">
               <a:rPr lang="en-US" dirty="0"/>
               <a:pPr/>
-              <a:t>10/13/2019</a:t>
+              <a:t>10/14/2019</a:t>
             </a:fld>
             <a:endParaRPr lang="en-US" dirty="0"/>
           </a:p>
@@ -9010,7 +9055,7 @@
             <a:fld id="{B61BEF0D-F0BB-DE4B-95CE-6DB70DBA9567}" type="datetimeFigureOut">
               <a:rPr lang="en-US" dirty="0"/>
               <a:pPr/>
-              <a:t>10/13/2019</a:t>
+              <a:t>10/14/2019</a:t>
             </a:fld>
             <a:endParaRPr lang="en-US" dirty="0"/>
           </a:p>
@@ -9343,7 +9388,7 @@
             <a:fld id="{B61BEF0D-F0BB-DE4B-95CE-6DB70DBA9567}" type="datetimeFigureOut">
               <a:rPr lang="en-US" dirty="0"/>
               <a:pPr/>
-              <a:t>10/13/2019</a:t>
+              <a:t>10/14/2019</a:t>
             </a:fld>
             <a:endParaRPr lang="en-US" dirty="0"/>
           </a:p>
@@ -9660,7 +9705,7 @@
             <a:fld id="{B61BEF0D-F0BB-DE4B-95CE-6DB70DBA9567}" type="datetimeFigureOut">
               <a:rPr lang="en-US" dirty="0"/>
               <a:pPr/>
-              <a:t>10/13/2019</a:t>
+              <a:t>10/14/2019</a:t>
             </a:fld>
             <a:endParaRPr lang="en-US" dirty="0"/>
           </a:p>
@@ -10053,7 +10098,7 @@
             <a:fld id="{B61BEF0D-F0BB-DE4B-95CE-6DB70DBA9567}" type="datetimeFigureOut">
               <a:rPr lang="en-US" dirty="0"/>
               <a:pPr/>
-              <a:t>10/13/2019</a:t>
+              <a:t>10/14/2019</a:t>
             </a:fld>
             <a:endParaRPr lang="en-US" dirty="0"/>
           </a:p>
@@ -10307,7 +10352,7 @@
             <a:fld id="{B61BEF0D-F0BB-DE4B-95CE-6DB70DBA9567}" type="datetimeFigureOut">
               <a:rPr lang="en-US" dirty="0"/>
               <a:pPr/>
-              <a:t>10/13/2019</a:t>
+              <a:t>10/14/2019</a:t>
             </a:fld>
             <a:endParaRPr lang="en-US" dirty="0"/>
           </a:p>
@@ -10566,7 +10611,7 @@
             <a:fld id="{B61BEF0D-F0BB-DE4B-95CE-6DB70DBA9567}" type="datetimeFigureOut">
               <a:rPr lang="en-US" dirty="0"/>
               <a:pPr/>
-              <a:t>10/13/2019</a:t>
+              <a:t>10/14/2019</a:t>
             </a:fld>
             <a:endParaRPr lang="en-US" dirty="0"/>
           </a:p>
@@ -10825,7 +10870,7 @@
             <a:fld id="{B61BEF0D-F0BB-DE4B-95CE-6DB70DBA9567}" type="datetimeFigureOut">
               <a:rPr lang="en-US" dirty="0"/>
               <a:pPr/>
-              <a:t>10/13/2019</a:t>
+              <a:t>10/14/2019</a:t>
             </a:fld>
             <a:endParaRPr lang="en-US" dirty="0"/>
           </a:p>
@@ -11151,7 +11196,7 @@
             <a:fld id="{B61BEF0D-F0BB-DE4B-95CE-6DB70DBA9567}" type="datetimeFigureOut">
               <a:rPr lang="en-US" dirty="0"/>
               <a:pPr/>
-              <a:t>10/13/2019</a:t>
+              <a:t>10/14/2019</a:t>
             </a:fld>
             <a:endParaRPr lang="en-US" dirty="0"/>
           </a:p>
@@ -11471,7 +11516,7 @@
             <a:fld id="{B61BEF0D-F0BB-DE4B-95CE-6DB70DBA9567}" type="datetimeFigureOut">
               <a:rPr lang="en-US" dirty="0"/>
               <a:pPr/>
-              <a:t>10/13/2019</a:t>
+              <a:t>10/14/2019</a:t>
             </a:fld>
             <a:endParaRPr lang="en-US" dirty="0"/>
           </a:p>
@@ -11925,7 +11970,7 @@
             <a:fld id="{B61BEF0D-F0BB-DE4B-95CE-6DB70DBA9567}" type="datetimeFigureOut">
               <a:rPr lang="en-US" dirty="0"/>
               <a:pPr/>
-              <a:t>10/13/2019</a:t>
+              <a:t>10/14/2019</a:t>
             </a:fld>
             <a:endParaRPr lang="en-US" dirty="0"/>
           </a:p>
@@ -12127,7 +12172,7 @@
             <a:fld id="{B61BEF0D-F0BB-DE4B-95CE-6DB70DBA9567}" type="datetimeFigureOut">
               <a:rPr lang="en-US" dirty="0"/>
               <a:pPr/>
-              <a:t>10/13/2019</a:t>
+              <a:t>10/14/2019</a:t>
             </a:fld>
             <a:endParaRPr lang="en-US" dirty="0"/>
           </a:p>
@@ -12301,7 +12346,7 @@
             <a:fld id="{B61BEF0D-F0BB-DE4B-95CE-6DB70DBA9567}" type="datetimeFigureOut">
               <a:rPr lang="en-US" dirty="0"/>
               <a:pPr/>
-              <a:t>10/13/2019</a:t>
+              <a:t>10/14/2019</a:t>
             </a:fld>
             <a:endParaRPr lang="en-US" dirty="0"/>
           </a:p>
@@ -12631,7 +12676,7 @@
             <a:fld id="{B61BEF0D-F0BB-DE4B-95CE-6DB70DBA9567}" type="datetimeFigureOut">
               <a:rPr lang="en-US" dirty="0"/>
               <a:pPr/>
-              <a:t>10/13/2019</a:t>
+              <a:t>10/14/2019</a:t>
             </a:fld>
             <a:endParaRPr lang="en-US" dirty="0"/>
           </a:p>
@@ -12973,7 +13018,7 @@
             <a:fld id="{B61BEF0D-F0BB-DE4B-95CE-6DB70DBA9567}" type="datetimeFigureOut">
               <a:rPr lang="en-US" dirty="0"/>
               <a:pPr/>
-              <a:t>10/13/2019</a:t>
+              <a:t>10/14/2019</a:t>
             </a:fld>
             <a:endParaRPr lang="en-US" dirty="0"/>
           </a:p>
@@ -15087,7 +15132,7 @@
             <a:fld id="{B61BEF0D-F0BB-DE4B-95CE-6DB70DBA9567}" type="datetimeFigureOut">
               <a:rPr lang="en-US" dirty="0"/>
               <a:pPr/>
-              <a:t>10/13/2019</a:t>
+              <a:t>10/14/2019</a:t>
             </a:fld>
             <a:endParaRPr lang="en-US" dirty="0"/>
           </a:p>
@@ -22466,10 +22511,6 @@
               </a:rPr>
               <a:t>:</a:t>
             </a:r>
-            <a:endParaRPr lang="en-US" altLang="zh-CN" dirty="0" smtClean="0">
-              <a:latin typeface="黑体" panose="02010609060101010101" pitchFamily="49" charset="-122"/>
-              <a:ea typeface="黑体" panose="02010609060101010101" pitchFamily="49" charset="-122"/>
-            </a:endParaRPr>
           </a:p>
         </p:txBody>
       </p:sp>
@@ -22508,10 +22549,6 @@
               </a:rPr>
               <a:t>:</a:t>
             </a:r>
-            <a:endParaRPr lang="en-US" altLang="zh-CN" dirty="0" smtClean="0">
-              <a:latin typeface="黑体" panose="02010609060101010101" pitchFamily="49" charset="-122"/>
-              <a:ea typeface="黑体" panose="02010609060101010101" pitchFamily="49" charset="-122"/>
-            </a:endParaRPr>
           </a:p>
         </p:txBody>
       </p:sp>
@@ -22550,10 +22587,6 @@
               </a:rPr>
               <a:t>:</a:t>
             </a:r>
-            <a:endParaRPr lang="en-US" altLang="zh-CN" dirty="0" smtClean="0">
-              <a:latin typeface="黑体" panose="02010609060101010101" pitchFamily="49" charset="-122"/>
-              <a:ea typeface="黑体" panose="02010609060101010101" pitchFamily="49" charset="-122"/>
-            </a:endParaRPr>
           </a:p>
         </p:txBody>
       </p:sp>
@@ -22592,10 +22625,6 @@
               </a:rPr>
               <a:t>:</a:t>
             </a:r>
-            <a:endParaRPr lang="en-US" altLang="zh-CN" dirty="0" smtClean="0">
-              <a:latin typeface="黑体" panose="02010609060101010101" pitchFamily="49" charset="-122"/>
-              <a:ea typeface="黑体" panose="02010609060101010101" pitchFamily="49" charset="-122"/>
-            </a:endParaRPr>
           </a:p>
         </p:txBody>
       </p:sp>
@@ -22634,10 +22663,6 @@
               </a:rPr>
               <a:t>:</a:t>
             </a:r>
-            <a:endParaRPr lang="en-US" altLang="zh-CN" dirty="0" smtClean="0">
-              <a:latin typeface="黑体" panose="02010609060101010101" pitchFamily="49" charset="-122"/>
-              <a:ea typeface="黑体" panose="02010609060101010101" pitchFamily="49" charset="-122"/>
-            </a:endParaRPr>
           </a:p>
         </p:txBody>
       </p:sp>
@@ -22969,7 +22994,7 @@
         </p:blipFill>
         <p:spPr>
           <a:xfrm>
-            <a:off x="3241817" y="646843"/>
+            <a:off x="3529493" y="657117"/>
             <a:ext cx="5752681" cy="4901201"/>
           </a:xfrm>
           <a:prstGeom prst="rect">
